--- a/18 Presentation/hOUSE md.pptx
+++ b/18 Presentation/hOUSE md.pptx
@@ -7,16 +7,17 @@
   <p:sldIdLst>
     <p:sldId id="256" r:id="rId2"/>
     <p:sldId id="258" r:id="rId3"/>
-    <p:sldId id="259" r:id="rId4"/>
-    <p:sldId id="260" r:id="rId5"/>
-    <p:sldId id="265" r:id="rId6"/>
-    <p:sldId id="271" r:id="rId7"/>
-    <p:sldId id="264" r:id="rId8"/>
-    <p:sldId id="266" r:id="rId9"/>
-    <p:sldId id="267" r:id="rId10"/>
-    <p:sldId id="268" r:id="rId11"/>
-    <p:sldId id="269" r:id="rId12"/>
-    <p:sldId id="270" r:id="rId13"/>
+    <p:sldId id="260" r:id="rId4"/>
+    <p:sldId id="259" r:id="rId5"/>
+    <p:sldId id="272" r:id="rId6"/>
+    <p:sldId id="265" r:id="rId7"/>
+    <p:sldId id="271" r:id="rId8"/>
+    <p:sldId id="264" r:id="rId9"/>
+    <p:sldId id="266" r:id="rId10"/>
+    <p:sldId id="267" r:id="rId11"/>
+    <p:sldId id="268" r:id="rId12"/>
+    <p:sldId id="269" r:id="rId13"/>
+    <p:sldId id="270" r:id="rId14"/>
   </p:sldIdLst>
   <p:sldSz cx="12192000" cy="6858000"/>
   <p:notesSz cx="6858000" cy="9144000"/>
@@ -293,7 +294,7 @@
             <a:fld id="{87DE6118-2437-4B30-8E3C-4D2BE6020583}" type="datetimeFigureOut">
               <a:rPr lang="en-US" dirty="0"/>
               <a:pPr/>
-              <a:t>2/27/2020</a:t>
+              <a:t>2/29/2020</a:t>
             </a:fld>
             <a:endParaRPr lang="en-US" dirty="0"/>
           </a:p>
@@ -619,7 +620,7 @@
           <a:p>
             <a:fld id="{87DE6118-2437-4B30-8E3C-4D2BE6020583}" type="datetimeFigureOut">
               <a:rPr lang="en-US" dirty="0"/>
-              <a:t>2/27/2020</a:t>
+              <a:t>2/29/2020</a:t>
             </a:fld>
             <a:endParaRPr lang="en-US" dirty="0"/>
           </a:p>
@@ -794,7 +795,7 @@
           <a:p>
             <a:fld id="{87DE6118-2437-4B30-8E3C-4D2BE6020583}" type="datetimeFigureOut">
               <a:rPr lang="en-US" dirty="0"/>
-              <a:t>2/27/2020</a:t>
+              <a:t>2/29/2020</a:t>
             </a:fld>
             <a:endParaRPr lang="en-US" dirty="0"/>
           </a:p>
@@ -959,7 +960,7 @@
           <a:p>
             <a:fld id="{87DE6118-2437-4B30-8E3C-4D2BE6020583}" type="datetimeFigureOut">
               <a:rPr lang="en-US" dirty="0"/>
-              <a:t>2/27/2020</a:t>
+              <a:t>2/29/2020</a:t>
             </a:fld>
             <a:endParaRPr lang="en-US" dirty="0"/>
           </a:p>
@@ -1232,7 +1233,7 @@
             <a:fld id="{87DE6118-2437-4B30-8E3C-4D2BE6020583}" type="datetimeFigureOut">
               <a:rPr lang="en-US" dirty="0"/>
               <a:pPr/>
-              <a:t>2/27/2020</a:t>
+              <a:t>2/29/2020</a:t>
             </a:fld>
             <a:endParaRPr lang="en-US" dirty="0"/>
           </a:p>
@@ -1622,7 +1623,7 @@
           <a:p>
             <a:fld id="{87DE6118-2437-4B30-8E3C-4D2BE6020583}" type="datetimeFigureOut">
               <a:rPr lang="en-US" dirty="0"/>
-              <a:t>2/27/2020</a:t>
+              <a:t>2/29/2020</a:t>
             </a:fld>
             <a:endParaRPr lang="en-US" dirty="0"/>
           </a:p>
@@ -2094,7 +2095,7 @@
           <a:p>
             <a:fld id="{87DE6118-2437-4B30-8E3C-4D2BE6020583}" type="datetimeFigureOut">
               <a:rPr lang="en-US" dirty="0"/>
-              <a:t>2/27/2020</a:t>
+              <a:t>2/29/2020</a:t>
             </a:fld>
             <a:endParaRPr lang="en-US" dirty="0"/>
           </a:p>
@@ -2207,7 +2208,7 @@
           <a:p>
             <a:fld id="{87DE6118-2437-4B30-8E3C-4D2BE6020583}" type="datetimeFigureOut">
               <a:rPr lang="en-US" dirty="0"/>
-              <a:t>2/27/2020</a:t>
+              <a:t>2/29/2020</a:t>
             </a:fld>
             <a:endParaRPr lang="en-US" dirty="0"/>
           </a:p>
@@ -2297,7 +2298,7 @@
           <a:p>
             <a:fld id="{87DE6118-2437-4B30-8E3C-4D2BE6020583}" type="datetimeFigureOut">
               <a:rPr lang="en-US" dirty="0"/>
-              <a:t>2/27/2020</a:t>
+              <a:t>2/29/2020</a:t>
             </a:fld>
             <a:endParaRPr lang="en-US" dirty="0"/>
           </a:p>
@@ -2639,7 +2640,7 @@
             <a:fld id="{87DE6118-2437-4B30-8E3C-4D2BE6020583}" type="datetimeFigureOut">
               <a:rPr lang="en-US" dirty="0"/>
               <a:pPr/>
-              <a:t>2/27/2020</a:t>
+              <a:t>2/29/2020</a:t>
             </a:fld>
             <a:endParaRPr lang="en-US" dirty="0"/>
           </a:p>
@@ -3023,7 +3024,7 @@
             <a:fld id="{87DE6118-2437-4B30-8E3C-4D2BE6020583}" type="datetimeFigureOut">
               <a:rPr lang="en-US" dirty="0"/>
               <a:pPr/>
-              <a:t>2/27/2020</a:t>
+              <a:t>2/29/2020</a:t>
             </a:fld>
             <a:endParaRPr lang="en-US" dirty="0"/>
           </a:p>
@@ -3298,7 +3299,7 @@
             <a:fld id="{87DE6118-2437-4B30-8E3C-4D2BE6020583}" type="datetimeFigureOut">
               <a:rPr lang="en-US" dirty="0"/>
               <a:pPr/>
-              <a:t>2/27/2020</a:t>
+              <a:t>2/29/2020</a:t>
             </a:fld>
             <a:endParaRPr lang="en-US" dirty="0"/>
           </a:p>
@@ -4166,6 +4167,14 @@
 <file path=ppt/slides/slide10.xml><?xml version="1.0" encoding="utf-8"?>
 <p:sld xmlns:a="http://schemas.openxmlformats.org/drawingml/2006/main" xmlns:r="http://schemas.openxmlformats.org/officeDocument/2006/relationships" xmlns:p="http://schemas.openxmlformats.org/presentationml/2006/main">
   <p:cSld>
+    <p:bg>
+      <p:bgPr>
+        <a:solidFill>
+          <a:schemeClr val="bg2"/>
+        </a:solidFill>
+        <a:effectLst/>
+      </p:bgPr>
+    </p:bg>
     <p:spTree>
       <p:nvGrpSpPr>
         <p:cNvPr id="1" name=""/>
@@ -4185,7 +4194,7 @@
           <p:cNvPr id="2" name="Title 1">
             <a:extLst>
               <a:ext uri="{FF2B5EF4-FFF2-40B4-BE49-F238E27FC236}">
-                <a16:creationId xmlns:a16="http://schemas.microsoft.com/office/drawing/2014/main" id="{2C6FBB71-42C6-44CE-AA0A-2FC9B6EC0E08}"/>
+                <a16:creationId xmlns:a16="http://schemas.microsoft.com/office/drawing/2014/main" id="{51C23C65-AE36-413B-8DA1-5ED1D8D491A1}"/>
               </a:ext>
             </a:extLst>
           </p:cNvPr>
@@ -4196,43 +4205,176 @@
             <p:ph type="title"/>
           </p:nvPr>
         </p:nvSpPr>
-        <p:spPr/>
-        <p:txBody>
-          <a:bodyPr/>
+        <p:spPr>
+          <a:xfrm>
+            <a:off x="1390650" y="685800"/>
+            <a:ext cx="6176775" cy="1485900"/>
+          </a:xfrm>
+        </p:spPr>
+        <p:txBody>
+          <a:bodyPr>
+            <a:normAutofit/>
+          </a:bodyPr>
           <a:lstStyle/>
           <a:p>
             <a:r>
               <a:rPr lang="en-US" dirty="0"/>
-              <a:t>4. SPEAK YOUR MIND</a:t>
+              <a:t>3.KEEPING AN OPEN MIND</a:t>
             </a:r>
           </a:p>
         </p:txBody>
       </p:sp>
       <p:pic>
         <p:nvPicPr>
-          <p:cNvPr id="4" name="Content Placeholder 3">
+          <p:cNvPr id="7" name="Picture 6" descr="A picture containing man, holding, table&#10;&#10;Description automatically generated">
             <a:extLst>
               <a:ext uri="{FF2B5EF4-FFF2-40B4-BE49-F238E27FC236}">
-                <a16:creationId xmlns:a16="http://schemas.microsoft.com/office/drawing/2014/main" id="{05671F59-D219-4F88-BB37-2CA75C0731A3}"/>
+                <a16:creationId xmlns:a16="http://schemas.microsoft.com/office/drawing/2014/main" id="{13A3AB32-2D67-448A-88D1-8C8B40573C70}"/>
               </a:ext>
             </a:extLst>
           </p:cNvPr>
           <p:cNvPicPr>
-            <a:picLocks noGrp="1" noChangeAspect="1"/>
+            <a:picLocks noChangeAspect="1"/>
           </p:cNvPicPr>
-          <p:nvPr>
-            <p:ph idx="1"/>
-          </p:nvPr>
+          <p:nvPr/>
         </p:nvPicPr>
         <p:blipFill rotWithShape="1">
           <a:blip r:embed="rId2"/>
-          <a:srcRect t="25923" r="26980"/>
+          <a:srcRect r="-2" b="10474"/>
           <a:stretch/>
         </p:blipFill>
         <p:spPr>
           <a:xfrm>
-            <a:off x="2666068" y="1991833"/>
-            <a:ext cx="7374198" cy="3832192"/>
+            <a:off x="8055599" y="587782"/>
+            <a:ext cx="3217333" cy="1652907"/>
+          </a:xfrm>
+          <a:prstGeom prst="rect">
+            <a:avLst/>
+          </a:prstGeom>
+        </p:spPr>
+      </p:pic>
+      <p:sp>
+        <p:nvSpPr>
+          <p:cNvPr id="3" name="Content Placeholder 2">
+            <a:extLst>
+              <a:ext uri="{FF2B5EF4-FFF2-40B4-BE49-F238E27FC236}">
+                <a16:creationId xmlns:a16="http://schemas.microsoft.com/office/drawing/2014/main" id="{F2F3F946-DD45-4704-A22C-948CFFEACE65}"/>
+              </a:ext>
+            </a:extLst>
+          </p:cNvPr>
+          <p:cNvSpPr>
+            <a:spLocks noGrp="1"/>
+          </p:cNvSpPr>
+          <p:nvPr>
+            <p:ph idx="1"/>
+          </p:nvPr>
+        </p:nvSpPr>
+        <p:spPr>
+          <a:xfrm>
+            <a:off x="1390649" y="2286000"/>
+            <a:ext cx="6176776" cy="3581400"/>
+          </a:xfrm>
+        </p:spPr>
+        <p:txBody>
+          <a:bodyPr>
+            <a:normAutofit/>
+          </a:bodyPr>
+          <a:lstStyle/>
+          <a:p>
+            <a:pPr>
+              <a:buFont typeface="Wingdings" panose="05000000000000000000" pitchFamily="2" charset="2"/>
+              <a:buChar char="Ø"/>
+            </a:pPr>
+            <a:r>
+              <a:rPr lang="en-US" dirty="0"/>
+              <a:t>“</a:t>
+            </a:r>
+            <a:r>
+              <a:rPr lang="en-US" b="1" dirty="0"/>
+              <a:t>YOU MAY BE WRONG</a:t>
+            </a:r>
+            <a:r>
+              <a:rPr lang="en-US" dirty="0"/>
+              <a:t>”</a:t>
+            </a:r>
+          </a:p>
+          <a:p>
+            <a:pPr>
+              <a:buFont typeface="Wingdings" panose="05000000000000000000" pitchFamily="2" charset="2"/>
+              <a:buChar char="Ø"/>
+            </a:pPr>
+            <a:r>
+              <a:rPr lang="en-US" dirty="0"/>
+              <a:t>Don’t eliminate possible conclusions. </a:t>
+            </a:r>
+          </a:p>
+          <a:p>
+            <a:pPr>
+              <a:buFont typeface="Wingdings" panose="05000000000000000000" pitchFamily="2" charset="2"/>
+              <a:buChar char="Ø"/>
+            </a:pPr>
+            <a:r>
+              <a:rPr lang="en-US" dirty="0"/>
+              <a:t>Don’t jump to conclusions</a:t>
+            </a:r>
+          </a:p>
+          <a:p>
+            <a:endParaRPr lang="en-US" dirty="0"/>
+          </a:p>
+        </p:txBody>
+      </p:sp>
+      <p:pic>
+        <p:nvPicPr>
+          <p:cNvPr id="5" name="Picture 4" descr="A picture containing food, man&#10;&#10;Description automatically generated">
+            <a:extLst>
+              <a:ext uri="{FF2B5EF4-FFF2-40B4-BE49-F238E27FC236}">
+                <a16:creationId xmlns:a16="http://schemas.microsoft.com/office/drawing/2014/main" id="{B8CFD250-04FC-4DDE-BEF9-AC0B4ED6BB90}"/>
+              </a:ext>
+            </a:extLst>
+          </p:cNvPr>
+          <p:cNvPicPr>
+            <a:picLocks noChangeAspect="1"/>
+          </p:cNvPicPr>
+          <p:nvPr/>
+        </p:nvPicPr>
+        <p:blipFill rotWithShape="1">
+          <a:blip r:embed="rId3"/>
+          <a:srcRect r="5" b="8385"/>
+          <a:stretch/>
+        </p:blipFill>
+        <p:spPr>
+          <a:xfrm>
+            <a:off x="8061437" y="2401556"/>
+            <a:ext cx="3211495" cy="1652907"/>
+          </a:xfrm>
+          <a:prstGeom prst="rect">
+            <a:avLst/>
+          </a:prstGeom>
+        </p:spPr>
+      </p:pic>
+      <p:pic>
+        <p:nvPicPr>
+          <p:cNvPr id="9" name="Picture 8" descr="A screenshot of a person&#10;&#10;Description automatically generated">
+            <a:extLst>
+              <a:ext uri="{FF2B5EF4-FFF2-40B4-BE49-F238E27FC236}">
+                <a16:creationId xmlns:a16="http://schemas.microsoft.com/office/drawing/2014/main" id="{2535A4DD-6BEC-4B53-887C-CE10B91A27A5}"/>
+              </a:ext>
+            </a:extLst>
+          </p:cNvPr>
+          <p:cNvPicPr>
+            <a:picLocks noChangeAspect="1"/>
+          </p:cNvPicPr>
+          <p:nvPr/>
+        </p:nvPicPr>
+        <p:blipFill rotWithShape="1">
+          <a:blip r:embed="rId4"/>
+          <a:srcRect t="897" r="6" b="30483"/>
+          <a:stretch/>
+        </p:blipFill>
+        <p:spPr>
+          <a:xfrm>
+            <a:off x="8061437" y="4215330"/>
+            <a:ext cx="3211495" cy="1652907"/>
           </a:xfrm>
           <a:prstGeom prst="rect">
             <a:avLst/>
@@ -4242,7 +4384,7 @@
     </p:spTree>
     <p:extLst>
       <p:ext uri="{BB962C8B-B14F-4D97-AF65-F5344CB8AC3E}">
-        <p14:creationId xmlns:p14="http://schemas.microsoft.com/office/powerpoint/2010/main" val="2063847929"/>
+        <p14:creationId xmlns:p14="http://schemas.microsoft.com/office/powerpoint/2010/main" val="1378268153"/>
       </p:ext>
     </p:extLst>
   </p:cSld>
@@ -4274,6 +4416,95 @@
           <p:cNvPr id="2" name="Title 1">
             <a:extLst>
               <a:ext uri="{FF2B5EF4-FFF2-40B4-BE49-F238E27FC236}">
+                <a16:creationId xmlns:a16="http://schemas.microsoft.com/office/drawing/2014/main" id="{2C6FBB71-42C6-44CE-AA0A-2FC9B6EC0E08}"/>
+              </a:ext>
+            </a:extLst>
+          </p:cNvPr>
+          <p:cNvSpPr>
+            <a:spLocks noGrp="1"/>
+          </p:cNvSpPr>
+          <p:nvPr>
+            <p:ph type="title"/>
+          </p:nvPr>
+        </p:nvSpPr>
+        <p:spPr/>
+        <p:txBody>
+          <a:bodyPr/>
+          <a:lstStyle/>
+          <a:p>
+            <a:r>
+              <a:rPr lang="en-US" dirty="0"/>
+              <a:t>4. SPEAK YOUR MIND</a:t>
+            </a:r>
+          </a:p>
+        </p:txBody>
+      </p:sp>
+      <p:pic>
+        <p:nvPicPr>
+          <p:cNvPr id="4" name="Content Placeholder 3">
+            <a:extLst>
+              <a:ext uri="{FF2B5EF4-FFF2-40B4-BE49-F238E27FC236}">
+                <a16:creationId xmlns:a16="http://schemas.microsoft.com/office/drawing/2014/main" id="{05671F59-D219-4F88-BB37-2CA75C0731A3}"/>
+              </a:ext>
+            </a:extLst>
+          </p:cNvPr>
+          <p:cNvPicPr>
+            <a:picLocks noGrp="1" noChangeAspect="1"/>
+          </p:cNvPicPr>
+          <p:nvPr>
+            <p:ph idx="1"/>
+          </p:nvPr>
+        </p:nvPicPr>
+        <p:blipFill rotWithShape="1">
+          <a:blip r:embed="rId2"/>
+          <a:srcRect t="25923" r="26980"/>
+          <a:stretch/>
+        </p:blipFill>
+        <p:spPr>
+          <a:xfrm>
+            <a:off x="2666068" y="1991833"/>
+            <a:ext cx="7374198" cy="3832192"/>
+          </a:xfrm>
+          <a:prstGeom prst="rect">
+            <a:avLst/>
+          </a:prstGeom>
+        </p:spPr>
+      </p:pic>
+    </p:spTree>
+    <p:extLst>
+      <p:ext uri="{BB962C8B-B14F-4D97-AF65-F5344CB8AC3E}">
+        <p14:creationId xmlns:p14="http://schemas.microsoft.com/office/powerpoint/2010/main" val="2063847929"/>
+      </p:ext>
+    </p:extLst>
+  </p:cSld>
+  <p:clrMapOvr>
+    <a:masterClrMapping/>
+  </p:clrMapOvr>
+</p:sld>
+</file>
+
+<file path=ppt/slides/slide12.xml><?xml version="1.0" encoding="utf-8"?>
+<p:sld xmlns:a="http://schemas.openxmlformats.org/drawingml/2006/main" xmlns:r="http://schemas.openxmlformats.org/officeDocument/2006/relationships" xmlns:p="http://schemas.openxmlformats.org/presentationml/2006/main">
+  <p:cSld>
+    <p:spTree>
+      <p:nvGrpSpPr>
+        <p:cNvPr id="1" name=""/>
+        <p:cNvGrpSpPr/>
+        <p:nvPr/>
+      </p:nvGrpSpPr>
+      <p:grpSpPr>
+        <a:xfrm>
+          <a:off x="0" y="0"/>
+          <a:ext cx="0" cy="0"/>
+          <a:chOff x="0" y="0"/>
+          <a:chExt cx="0" cy="0"/>
+        </a:xfrm>
+      </p:grpSpPr>
+      <p:sp>
+        <p:nvSpPr>
+          <p:cNvPr id="2" name="Title 1">
+            <a:extLst>
+              <a:ext uri="{FF2B5EF4-FFF2-40B4-BE49-F238E27FC236}">
                 <a16:creationId xmlns:a16="http://schemas.microsoft.com/office/drawing/2014/main" id="{DE7C6733-9DF5-4E79-9FD5-A5648FD33B52}"/>
               </a:ext>
             </a:extLst>
@@ -4412,7 +4643,7 @@
 </p:sld>
 </file>
 
-<file path=ppt/slides/slide12.xml><?xml version="1.0" encoding="utf-8"?>
+<file path=ppt/slides/slide13.xml><?xml version="1.0" encoding="utf-8"?>
 <p:sld xmlns:a="http://schemas.openxmlformats.org/drawingml/2006/main" xmlns:r="http://schemas.openxmlformats.org/officeDocument/2006/relationships" xmlns:p="http://schemas.openxmlformats.org/presentationml/2006/main">
   <p:cSld>
     <p:bg>
@@ -5123,8 +5354,8 @@
         </p:nvSpPr>
         <p:spPr>
           <a:xfrm>
-            <a:off x="1711617" y="3261240"/>
-            <a:ext cx="8361229" cy="2098226"/>
+            <a:off x="1776176" y="1559898"/>
+            <a:ext cx="8628137" cy="3277448"/>
           </a:xfrm>
         </p:spPr>
         <p:txBody>
@@ -5135,27 +5366,31 @@
           <a:p>
             <a:pPr algn="ctr"/>
             <a:r>
-              <a:rPr lang="en-US" sz="2300" b="1" cap="all" dirty="0"/>
+              <a:rPr lang="en-US" sz="2800" b="1" cap="all" dirty="0"/>
               <a:t>“It's a basic truth of the human condition that </a:t>
             </a:r>
             <a:br>
-              <a:rPr lang="en-US" sz="2300" b="1" cap="all" dirty="0"/>
+              <a:rPr lang="en-US" sz="2800" b="1" cap="all" dirty="0"/>
             </a:br>
             <a:br>
-              <a:rPr lang="en-US" sz="2300" b="1" cap="all" dirty="0"/>
+              <a:rPr lang="en-US" sz="2800" b="1" cap="all" dirty="0"/>
             </a:br>
             <a:r>
-              <a:rPr lang="en-US" sz="6000" b="1" cap="all" dirty="0"/>
-              <a:t>everybody lies. </a:t>
+              <a:rPr lang="en-US" sz="9800" b="1" cap="all" dirty="0"/>
+              <a:t>everybody lies</a:t>
+            </a:r>
+            <a:r>
+              <a:rPr lang="en-US" sz="7300" b="1" cap="all" dirty="0"/>
+              <a:t>. </a:t>
             </a:r>
             <a:br>
-              <a:rPr lang="en-US" sz="2300" b="1" cap="all" dirty="0"/>
+              <a:rPr lang="en-US" sz="2800" b="1" cap="all" dirty="0"/>
             </a:br>
             <a:br>
-              <a:rPr lang="en-US" sz="2300" b="1" cap="all" dirty="0"/>
+              <a:rPr lang="en-US" sz="2800" b="1" cap="all" dirty="0"/>
             </a:br>
             <a:r>
-              <a:rPr lang="en-US" sz="2300" b="1" cap="all" dirty="0"/>
+              <a:rPr lang="en-US" sz="2800" b="1" cap="all" dirty="0"/>
               <a:t>The only variable is about what.”</a:t>
             </a:r>
           </a:p>
@@ -5175,6 +5410,496 @@
 </file>
 
 <file path=ppt/slides/slide3.xml><?xml version="1.0" encoding="utf-8"?>
+<p:sld xmlns:a="http://schemas.openxmlformats.org/drawingml/2006/main" xmlns:r="http://schemas.openxmlformats.org/officeDocument/2006/relationships" xmlns:p="http://schemas.openxmlformats.org/presentationml/2006/main">
+  <p:cSld>
+    <p:bg>
+      <p:bgPr>
+        <a:solidFill>
+          <a:schemeClr val="bg2"/>
+        </a:solidFill>
+        <a:effectLst/>
+      </p:bgPr>
+    </p:bg>
+    <p:spTree>
+      <p:nvGrpSpPr>
+        <p:cNvPr id="1" name=""/>
+        <p:cNvGrpSpPr/>
+        <p:nvPr/>
+      </p:nvGrpSpPr>
+      <p:grpSpPr>
+        <a:xfrm>
+          <a:off x="0" y="0"/>
+          <a:ext cx="0" cy="0"/>
+          <a:chOff x="0" y="0"/>
+          <a:chExt cx="0" cy="0"/>
+        </a:xfrm>
+      </p:grpSpPr>
+      <p:grpSp>
+        <p:nvGrpSpPr>
+          <p:cNvPr id="20" name="Group 9">
+            <a:extLst>
+              <a:ext uri="{FF2B5EF4-FFF2-40B4-BE49-F238E27FC236}">
+                <a16:creationId xmlns:a16="http://schemas.microsoft.com/office/drawing/2014/main" id="{449BC34D-9C23-4D6D-8213-1F471AF85B3F}"/>
+              </a:ext>
+              <a:ext uri="{C183D7F6-B498-43B3-948B-1728B52AA6E4}">
+                <adec:decorative xmlns:adec="http://schemas.microsoft.com/office/drawing/2017/decorative" val="1"/>
+              </a:ext>
+            </a:extLst>
+          </p:cNvPr>
+          <p:cNvGrpSpPr>
+            <a:grpSpLocks noGrp="1" noUngrp="1" noRot="1" noChangeAspect="1" noMove="1" noResize="1"/>
+          </p:cNvGrpSpPr>
+          <p:nvPr>
+            <p:extLst>
+              <p:ext uri="{386F3935-93C4-4BCD-93E2-E3B085C9AB24}">
+                <p16:designElem xmlns:p16="http://schemas.microsoft.com/office/powerpoint/2015/main" val="1"/>
+              </p:ext>
+            </p:extLst>
+          </p:nvPr>
+        </p:nvGrpSpPr>
+        <p:grpSpPr>
+          <a:xfrm>
+            <a:off x="752858" y="744469"/>
+            <a:ext cx="10674117" cy="5349671"/>
+            <a:chOff x="752858" y="744469"/>
+            <a:chExt cx="10674117" cy="5349671"/>
+          </a:xfrm>
+        </p:grpSpPr>
+        <p:sp>
+          <p:nvSpPr>
+            <p:cNvPr id="11" name="Freeform 6">
+              <a:extLst>
+                <a:ext uri="{FF2B5EF4-FFF2-40B4-BE49-F238E27FC236}">
+                  <a16:creationId xmlns:a16="http://schemas.microsoft.com/office/drawing/2014/main" id="{FA0F5D6C-5025-4D7E-82DD-C2C6FDA1E759}"/>
+                </a:ext>
+                <a:ext uri="{C183D7F6-B498-43B3-948B-1728B52AA6E4}">
+                  <adec:decorative xmlns:adec="http://schemas.microsoft.com/office/drawing/2017/decorative" val="1"/>
+                </a:ext>
+              </a:extLst>
+            </p:cNvPr>
+            <p:cNvSpPr/>
+            <p:nvPr>
+              <p:extLst>
+                <p:ext uri="{386F3935-93C4-4BCD-93E2-E3B085C9AB24}">
+                  <p16:designElem xmlns:p16="http://schemas.microsoft.com/office/powerpoint/2015/main" val="1"/>
+                </p:ext>
+              </p:extLst>
+            </p:nvPr>
+          </p:nvSpPr>
+          <p:spPr bwMode="auto">
+            <a:xfrm>
+              <a:off x="8151962" y="1685652"/>
+              <a:ext cx="3275013" cy="4408488"/>
+            </a:xfrm>
+            <a:custGeom>
+              <a:avLst/>
+              <a:gdLst/>
+              <a:ahLst/>
+              <a:cxnLst/>
+              <a:rect l="l" t="t" r="r" b="b"/>
+              <a:pathLst>
+                <a:path w="10000" h="10000">
+                  <a:moveTo>
+                    <a:pt x="8761" y="0"/>
+                  </a:moveTo>
+                  <a:lnTo>
+                    <a:pt x="10000" y="0"/>
+                  </a:lnTo>
+                  <a:lnTo>
+                    <a:pt x="10000" y="10000"/>
+                  </a:lnTo>
+                  <a:lnTo>
+                    <a:pt x="0" y="10000"/>
+                  </a:lnTo>
+                  <a:lnTo>
+                    <a:pt x="0" y="9126"/>
+                  </a:lnTo>
+                  <a:lnTo>
+                    <a:pt x="8761" y="9127"/>
+                  </a:lnTo>
+                  <a:lnTo>
+                    <a:pt x="8761" y="0"/>
+                  </a:lnTo>
+                  <a:close/>
+                </a:path>
+              </a:pathLst>
+            </a:custGeom>
+            <a:solidFill>
+              <a:schemeClr val="tx2"/>
+            </a:solidFill>
+            <a:ln w="0">
+              <a:noFill/>
+              <a:prstDash val="solid"/>
+              <a:round/>
+              <a:headEnd/>
+              <a:tailEnd/>
+            </a:ln>
+          </p:spPr>
+        </p:sp>
+        <p:sp>
+          <p:nvSpPr>
+            <p:cNvPr id="12" name="Freeform 6">
+              <a:extLst>
+                <a:ext uri="{FF2B5EF4-FFF2-40B4-BE49-F238E27FC236}">
+                  <a16:creationId xmlns:a16="http://schemas.microsoft.com/office/drawing/2014/main" id="{E2AF2C17-4AB4-4402-B84B-129EF95D161C}"/>
+                </a:ext>
+                <a:ext uri="{C183D7F6-B498-43B3-948B-1728B52AA6E4}">
+                  <adec:decorative xmlns:adec="http://schemas.microsoft.com/office/drawing/2017/decorative" val="1"/>
+                </a:ext>
+              </a:extLst>
+            </p:cNvPr>
+            <p:cNvSpPr/>
+            <p:nvPr>
+              <p:extLst>
+                <p:ext uri="{386F3935-93C4-4BCD-93E2-E3B085C9AB24}">
+                  <p16:designElem xmlns:p16="http://schemas.microsoft.com/office/powerpoint/2015/main" val="1"/>
+                </p:ext>
+              </p:extLst>
+            </p:nvPr>
+          </p:nvSpPr>
+          <p:spPr bwMode="auto">
+            <a:xfrm flipH="1" flipV="1">
+              <a:off x="752858" y="744469"/>
+              <a:ext cx="3275668" cy="4408488"/>
+            </a:xfrm>
+            <a:custGeom>
+              <a:avLst/>
+              <a:gdLst/>
+              <a:ahLst/>
+              <a:cxnLst/>
+              <a:rect l="l" t="t" r="r" b="b"/>
+              <a:pathLst>
+                <a:path w="10002" h="10000">
+                  <a:moveTo>
+                    <a:pt x="8763" y="0"/>
+                  </a:moveTo>
+                  <a:lnTo>
+                    <a:pt x="10002" y="0"/>
+                  </a:lnTo>
+                  <a:lnTo>
+                    <a:pt x="10002" y="10000"/>
+                  </a:lnTo>
+                  <a:lnTo>
+                    <a:pt x="2" y="10000"/>
+                  </a:lnTo>
+                  <a:cubicBezTo>
+                    <a:pt x="-2" y="9698"/>
+                    <a:pt x="4" y="9427"/>
+                    <a:pt x="0" y="9125"/>
+                  </a:cubicBezTo>
+                  <a:lnTo>
+                    <a:pt x="8763" y="9128"/>
+                  </a:lnTo>
+                  <a:lnTo>
+                    <a:pt x="8763" y="0"/>
+                  </a:lnTo>
+                  <a:close/>
+                </a:path>
+              </a:pathLst>
+            </a:custGeom>
+            <a:solidFill>
+              <a:schemeClr val="tx2"/>
+            </a:solidFill>
+            <a:ln w="0">
+              <a:noFill/>
+              <a:prstDash val="solid"/>
+              <a:round/>
+              <a:headEnd/>
+              <a:tailEnd/>
+            </a:ln>
+          </p:spPr>
+        </p:sp>
+      </p:grpSp>
+      <p:sp useBgFill="1">
+        <p:nvSpPr>
+          <p:cNvPr id="21" name="Rectangle 13">
+            <a:extLst>
+              <a:ext uri="{FF2B5EF4-FFF2-40B4-BE49-F238E27FC236}">
+                <a16:creationId xmlns:a16="http://schemas.microsoft.com/office/drawing/2014/main" id="{1F9A0C1C-8ABC-401B-8FE9-AC9327C4C587}"/>
+              </a:ext>
+              <a:ext uri="{C183D7F6-B498-43B3-948B-1728B52AA6E4}">
+                <adec:decorative xmlns:adec="http://schemas.microsoft.com/office/drawing/2017/decorative" val="1"/>
+              </a:ext>
+            </a:extLst>
+          </p:cNvPr>
+          <p:cNvSpPr>
+            <a:spLocks noGrp="1" noRot="1" noChangeAspect="1" noMove="1" noResize="1" noEditPoints="1" noAdjustHandles="1" noChangeArrowheads="1" noChangeShapeType="1" noTextEdit="1"/>
+          </p:cNvSpPr>
+          <p:nvPr>
+            <p:extLst>
+              <p:ext uri="{386F3935-93C4-4BCD-93E2-E3B085C9AB24}">
+                <p16:designElem xmlns:p16="http://schemas.microsoft.com/office/powerpoint/2015/main" val="1"/>
+              </p:ext>
+            </p:extLst>
+          </p:nvPr>
+        </p:nvSpPr>
+        <p:spPr>
+          <a:xfrm>
+            <a:off x="0" y="0"/>
+            <a:ext cx="12192000" cy="6858000"/>
+          </a:xfrm>
+          <a:prstGeom prst="rect">
+            <a:avLst/>
+          </a:prstGeom>
+          <a:ln>
+            <a:noFill/>
+          </a:ln>
+        </p:spPr>
+        <p:style>
+          <a:lnRef idx="2">
+            <a:schemeClr val="accent1">
+              <a:shade val="50000"/>
+            </a:schemeClr>
+          </a:lnRef>
+          <a:fillRef idx="1001">
+            <a:schemeClr val="lt2"/>
+          </a:fillRef>
+          <a:effectRef idx="0">
+            <a:schemeClr val="accent1"/>
+          </a:effectRef>
+          <a:fontRef idx="minor">
+            <a:schemeClr val="lt1"/>
+          </a:fontRef>
+        </p:style>
+        <p:txBody>
+          <a:bodyPr rtlCol="0" anchor="ctr"/>
+          <a:lstStyle/>
+          <a:p>
+            <a:pPr algn="ctr"/>
+            <a:endParaRPr lang="en-US" dirty="0"/>
+          </a:p>
+        </p:txBody>
+      </p:sp>
+      <p:sp>
+        <p:nvSpPr>
+          <p:cNvPr id="2" name="Title 1">
+            <a:extLst>
+              <a:ext uri="{FF2B5EF4-FFF2-40B4-BE49-F238E27FC236}">
+                <a16:creationId xmlns:a16="http://schemas.microsoft.com/office/drawing/2014/main" id="{7B6C46CC-F3C9-42C1-9353-E41DD90E9F55}"/>
+              </a:ext>
+            </a:extLst>
+          </p:cNvPr>
+          <p:cNvSpPr>
+            <a:spLocks noGrp="1"/>
+          </p:cNvSpPr>
+          <p:nvPr>
+            <p:ph type="title"/>
+          </p:nvPr>
+        </p:nvSpPr>
+        <p:spPr>
+          <a:xfrm>
+            <a:off x="8154186" y="634028"/>
+            <a:ext cx="3355942" cy="3732835"/>
+          </a:xfrm>
+        </p:spPr>
+        <p:txBody>
+          <a:bodyPr vert="horz" lIns="91440" tIns="45720" rIns="91440" bIns="45720" rtlCol="0" anchor="b">
+            <a:normAutofit/>
+          </a:bodyPr>
+          <a:lstStyle/>
+          <a:p>
+            <a:pPr algn="ctr"/>
+            <a:r>
+              <a:rPr lang="en-US" sz="4200" cap="all" dirty="0"/>
+              <a:t>Diagnostics Team Of House MD</a:t>
+            </a:r>
+          </a:p>
+        </p:txBody>
+      </p:sp>
+      <p:sp>
+        <p:nvSpPr>
+          <p:cNvPr id="22" name="Freeform 6">
+            <a:extLst>
+              <a:ext uri="{FF2B5EF4-FFF2-40B4-BE49-F238E27FC236}">
+                <a16:creationId xmlns:a16="http://schemas.microsoft.com/office/drawing/2014/main" id="{BA5783C3-2F96-40A7-A24F-30CB07AA3928}"/>
+              </a:ext>
+              <a:ext uri="{C183D7F6-B498-43B3-948B-1728B52AA6E4}">
+                <adec:decorative xmlns:adec="http://schemas.microsoft.com/office/drawing/2017/decorative" val="1"/>
+              </a:ext>
+            </a:extLst>
+          </p:cNvPr>
+          <p:cNvSpPr>
+            <a:spLocks noGrp="1" noRot="1" noChangeAspect="1" noMove="1" noResize="1" noEditPoints="1" noAdjustHandles="1" noChangeArrowheads="1" noChangeShapeType="1" noTextEdit="1"/>
+          </p:cNvSpPr>
+          <p:nvPr>
+            <p:extLst>
+              <p:ext uri="{386F3935-93C4-4BCD-93E2-E3B085C9AB24}">
+                <p16:designElem xmlns:p16="http://schemas.microsoft.com/office/powerpoint/2015/main" val="1"/>
+              </p:ext>
+            </p:extLst>
+          </p:nvPr>
+        </p:nvSpPr>
+        <p:spPr bwMode="auto">
+          <a:xfrm flipH="1" flipV="1">
+            <a:off x="649163" y="634028"/>
+            <a:ext cx="3275668" cy="4408488"/>
+          </a:xfrm>
+          <a:custGeom>
+            <a:avLst/>
+            <a:gdLst/>
+            <a:ahLst/>
+            <a:cxnLst/>
+            <a:rect l="l" t="t" r="r" b="b"/>
+            <a:pathLst>
+              <a:path w="10002" h="10000">
+                <a:moveTo>
+                  <a:pt x="8763" y="0"/>
+                </a:moveTo>
+                <a:lnTo>
+                  <a:pt x="10002" y="0"/>
+                </a:lnTo>
+                <a:lnTo>
+                  <a:pt x="10002" y="10000"/>
+                </a:lnTo>
+                <a:lnTo>
+                  <a:pt x="2" y="10000"/>
+                </a:lnTo>
+                <a:cubicBezTo>
+                  <a:pt x="-2" y="9698"/>
+                  <a:pt x="4" y="9427"/>
+                  <a:pt x="0" y="9125"/>
+                </a:cubicBezTo>
+                <a:lnTo>
+                  <a:pt x="8763" y="9128"/>
+                </a:lnTo>
+                <a:lnTo>
+                  <a:pt x="8763" y="0"/>
+                </a:lnTo>
+                <a:close/>
+              </a:path>
+            </a:pathLst>
+          </a:custGeom>
+          <a:solidFill>
+            <a:schemeClr val="tx2"/>
+          </a:solidFill>
+          <a:ln w="0">
+            <a:noFill/>
+            <a:prstDash val="solid"/>
+            <a:round/>
+            <a:headEnd/>
+            <a:tailEnd/>
+          </a:ln>
+        </p:spPr>
+      </p:sp>
+      <p:sp>
+        <p:nvSpPr>
+          <p:cNvPr id="23" name="Freeform 6">
+            <a:extLst>
+              <a:ext uri="{FF2B5EF4-FFF2-40B4-BE49-F238E27FC236}">
+                <a16:creationId xmlns:a16="http://schemas.microsoft.com/office/drawing/2014/main" id="{A9D08DBA-0326-4C4E-ACFB-576F3ABDD2D0}"/>
+              </a:ext>
+              <a:ext uri="{C183D7F6-B498-43B3-948B-1728B52AA6E4}">
+                <adec:decorative xmlns:adec="http://schemas.microsoft.com/office/drawing/2017/decorative" val="1"/>
+              </a:ext>
+            </a:extLst>
+          </p:cNvPr>
+          <p:cNvSpPr>
+            <a:spLocks noGrp="1" noRot="1" noChangeAspect="1" noMove="1" noResize="1" noEditPoints="1" noAdjustHandles="1" noChangeArrowheads="1" noChangeShapeType="1" noTextEdit="1"/>
+          </p:cNvSpPr>
+          <p:nvPr>
+            <p:extLst>
+              <p:ext uri="{386F3935-93C4-4BCD-93E2-E3B085C9AB24}">
+                <p16:designElem xmlns:p16="http://schemas.microsoft.com/office/powerpoint/2015/main" val="1"/>
+              </p:ext>
+            </p:extLst>
+          </p:nvPr>
+        </p:nvSpPr>
+        <p:spPr bwMode="auto">
+          <a:xfrm>
+            <a:off x="4494670" y="2016617"/>
+            <a:ext cx="3275013" cy="4408488"/>
+          </a:xfrm>
+          <a:custGeom>
+            <a:avLst/>
+            <a:gdLst/>
+            <a:ahLst/>
+            <a:cxnLst/>
+            <a:rect l="l" t="t" r="r" b="b"/>
+            <a:pathLst>
+              <a:path w="10000" h="10000">
+                <a:moveTo>
+                  <a:pt x="8761" y="0"/>
+                </a:moveTo>
+                <a:lnTo>
+                  <a:pt x="10000" y="0"/>
+                </a:lnTo>
+                <a:lnTo>
+                  <a:pt x="10000" y="10000"/>
+                </a:lnTo>
+                <a:lnTo>
+                  <a:pt x="0" y="10000"/>
+                </a:lnTo>
+                <a:lnTo>
+                  <a:pt x="0" y="9126"/>
+                </a:lnTo>
+                <a:lnTo>
+                  <a:pt x="8761" y="9127"/>
+                </a:lnTo>
+                <a:lnTo>
+                  <a:pt x="8761" y="0"/>
+                </a:lnTo>
+                <a:close/>
+              </a:path>
+            </a:pathLst>
+          </a:custGeom>
+          <a:solidFill>
+            <a:schemeClr val="tx2"/>
+          </a:solidFill>
+          <a:ln w="0">
+            <a:noFill/>
+            <a:prstDash val="solid"/>
+            <a:round/>
+            <a:headEnd/>
+            <a:tailEnd/>
+          </a:ln>
+        </p:spPr>
+      </p:sp>
+      <p:pic>
+        <p:nvPicPr>
+          <p:cNvPr id="5" name="Content Placeholder 4" descr="A group of people posing for a photo&#10;&#10;Description automatically generated">
+            <a:extLst>
+              <a:ext uri="{FF2B5EF4-FFF2-40B4-BE49-F238E27FC236}">
+                <a16:creationId xmlns:a16="http://schemas.microsoft.com/office/drawing/2014/main" id="{5F61EDF2-81DB-40C7-B863-E55C54775735}"/>
+              </a:ext>
+            </a:extLst>
+          </p:cNvPr>
+          <p:cNvPicPr>
+            <a:picLocks noGrp="1" noChangeAspect="1"/>
+          </p:cNvPicPr>
+          <p:nvPr>
+            <p:ph idx="1"/>
+          </p:nvPr>
+        </p:nvPicPr>
+        <p:blipFill>
+          <a:blip r:embed="rId2"/>
+          <a:stretch>
+            <a:fillRect/>
+          </a:stretch>
+        </p:blipFill>
+        <p:spPr>
+          <a:xfrm>
+            <a:off x="1379023" y="1632757"/>
+            <a:ext cx="5659222" cy="3791678"/>
+          </a:xfrm>
+          <a:prstGeom prst="rect">
+            <a:avLst/>
+          </a:prstGeom>
+        </p:spPr>
+      </p:pic>
+    </p:spTree>
+    <p:extLst>
+      <p:ext uri="{BB962C8B-B14F-4D97-AF65-F5344CB8AC3E}">
+        <p14:creationId xmlns:p14="http://schemas.microsoft.com/office/powerpoint/2010/main" val="1769032288"/>
+      </p:ext>
+    </p:extLst>
+  </p:cSld>
+  <p:clrMapOvr>
+    <a:masterClrMapping/>
+  </p:clrMapOvr>
+</p:sld>
+</file>
+
+<file path=ppt/slides/slide4.xml><?xml version="1.0" encoding="utf-8"?>
 <p:sld xmlns:a="http://schemas.openxmlformats.org/drawingml/2006/main" xmlns:r="http://schemas.openxmlformats.org/officeDocument/2006/relationships" xmlns:p="http://schemas.openxmlformats.org/presentationml/2006/main">
   <p:cSld>
     <p:bg>
@@ -5465,24 +6190,24 @@
           <a:p>
             <a:pPr algn="ctr"/>
             <a:r>
-              <a:rPr lang="en-US" sz="4200" cap="all"/>
-              <a:t>Dr. House MD</a:t>
+              <a:rPr lang="en-US" sz="4200" cap="all" dirty="0"/>
+              <a:t>Dr. House</a:t>
             </a:r>
             <a:br>
-              <a:rPr lang="en-US" sz="4200" cap="all"/>
+              <a:rPr lang="en-US" sz="4200" cap="all" dirty="0"/>
             </a:br>
             <a:br>
-              <a:rPr lang="en-US" sz="4200" cap="all"/>
+              <a:rPr lang="en-US" sz="4200" cap="all" dirty="0"/>
             </a:br>
             <a:r>
-              <a:rPr lang="en-US" sz="4200" cap="all"/>
+              <a:rPr lang="en-US" sz="4200" cap="all" dirty="0"/>
               <a:t>The </a:t>
             </a:r>
             <a:br>
-              <a:rPr lang="en-US" sz="4200" cap="all"/>
+              <a:rPr lang="en-US" sz="4200" cap="all" dirty="0"/>
             </a:br>
             <a:r>
-              <a:rPr lang="en-US" sz="4200" cap="all"/>
+              <a:rPr lang="en-US" sz="4200" cap="all" dirty="0"/>
               <a:t>Genius Doctor</a:t>
             </a:r>
           </a:p>
@@ -5683,7 +6408,7 @@
 </p:sld>
 </file>
 
-<file path=ppt/slides/slide4.xml><?xml version="1.0" encoding="utf-8"?>
+<file path=ppt/slides/slide5.xml><?xml version="1.0" encoding="utf-8"?>
 <p:sld xmlns:a="http://schemas.openxmlformats.org/drawingml/2006/main" xmlns:r="http://schemas.openxmlformats.org/officeDocument/2006/relationships" xmlns:p="http://schemas.openxmlformats.org/presentationml/2006/main">
   <p:cSld>
     <p:bg>
@@ -5708,21 +6433,21 @@
           <a:chExt cx="0" cy="0"/>
         </a:xfrm>
       </p:grpSpPr>
-      <p:grpSp>
-        <p:nvGrpSpPr>
-          <p:cNvPr id="20" name="Group 9">
+      <p:sp>
+        <p:nvSpPr>
+          <p:cNvPr id="20" name="Rectangle 11">
             <a:extLst>
               <a:ext uri="{FF2B5EF4-FFF2-40B4-BE49-F238E27FC236}">
-                <a16:creationId xmlns:a16="http://schemas.microsoft.com/office/drawing/2014/main" id="{449BC34D-9C23-4D6D-8213-1F471AF85B3F}"/>
+                <a16:creationId xmlns:a16="http://schemas.microsoft.com/office/drawing/2014/main" id="{AA6EC888-B85F-410F-B430-06583E94BEEC}"/>
               </a:ext>
               <a:ext uri="{C183D7F6-B498-43B3-948B-1728B52AA6E4}">
                 <adec:decorative xmlns:adec="http://schemas.microsoft.com/office/drawing/2017/decorative" val="1"/>
               </a:ext>
             </a:extLst>
           </p:cNvPr>
-          <p:cNvGrpSpPr>
-            <a:grpSpLocks noGrp="1" noUngrp="1" noRot="1" noChangeAspect="1" noMove="1" noResize="1"/>
-          </p:cNvGrpSpPr>
+          <p:cNvSpPr>
+            <a:spLocks noGrp="1" noRot="1" noChangeAspect="1" noMove="1" noResize="1" noEditPoints="1" noAdjustHandles="1" noChangeArrowheads="1" noChangeShapeType="1" noTextEdit="1"/>
+          </p:cNvSpPr>
           <p:nvPr>
             <p:extLst>
               <p:ext uri="{386F3935-93C4-4BCD-93E2-E3B085C9AB24}">
@@ -5730,191 +6455,18 @@
               </p:ext>
             </p:extLst>
           </p:nvPr>
-        </p:nvGrpSpPr>
-        <p:grpSpPr>
-          <a:xfrm>
-            <a:off x="752858" y="744469"/>
-            <a:ext cx="10674117" cy="5349671"/>
-            <a:chOff x="752858" y="744469"/>
-            <a:chExt cx="10674117" cy="5349671"/>
-          </a:xfrm>
-        </p:grpSpPr>
-        <p:sp>
-          <p:nvSpPr>
-            <p:cNvPr id="11" name="Freeform 6">
-              <a:extLst>
-                <a:ext uri="{FF2B5EF4-FFF2-40B4-BE49-F238E27FC236}">
-                  <a16:creationId xmlns:a16="http://schemas.microsoft.com/office/drawing/2014/main" id="{FA0F5D6C-5025-4D7E-82DD-C2C6FDA1E759}"/>
-                </a:ext>
-                <a:ext uri="{C183D7F6-B498-43B3-948B-1728B52AA6E4}">
-                  <adec:decorative xmlns:adec="http://schemas.microsoft.com/office/drawing/2017/decorative" val="1"/>
-                </a:ext>
-              </a:extLst>
-            </p:cNvPr>
-            <p:cNvSpPr/>
-            <p:nvPr>
-              <p:extLst>
-                <p:ext uri="{386F3935-93C4-4BCD-93E2-E3B085C9AB24}">
-                  <p16:designElem xmlns:p16="http://schemas.microsoft.com/office/powerpoint/2015/main" val="1"/>
-                </p:ext>
-              </p:extLst>
-            </p:nvPr>
-          </p:nvSpPr>
-          <p:spPr bwMode="auto">
-            <a:xfrm>
-              <a:off x="8151962" y="1685652"/>
-              <a:ext cx="3275013" cy="4408488"/>
-            </a:xfrm>
-            <a:custGeom>
-              <a:avLst/>
-              <a:gdLst/>
-              <a:ahLst/>
-              <a:cxnLst/>
-              <a:rect l="l" t="t" r="r" b="b"/>
-              <a:pathLst>
-                <a:path w="10000" h="10000">
-                  <a:moveTo>
-                    <a:pt x="8761" y="0"/>
-                  </a:moveTo>
-                  <a:lnTo>
-                    <a:pt x="10000" y="0"/>
-                  </a:lnTo>
-                  <a:lnTo>
-                    <a:pt x="10000" y="10000"/>
-                  </a:lnTo>
-                  <a:lnTo>
-                    <a:pt x="0" y="10000"/>
-                  </a:lnTo>
-                  <a:lnTo>
-                    <a:pt x="0" y="9126"/>
-                  </a:lnTo>
-                  <a:lnTo>
-                    <a:pt x="8761" y="9127"/>
-                  </a:lnTo>
-                  <a:lnTo>
-                    <a:pt x="8761" y="0"/>
-                  </a:lnTo>
-                  <a:close/>
-                </a:path>
-              </a:pathLst>
-            </a:custGeom>
-            <a:solidFill>
-              <a:schemeClr val="tx2"/>
-            </a:solidFill>
-            <a:ln w="0">
-              <a:noFill/>
-              <a:prstDash val="solid"/>
-              <a:round/>
-              <a:headEnd/>
-              <a:tailEnd/>
-            </a:ln>
-          </p:spPr>
-        </p:sp>
-        <p:sp>
-          <p:nvSpPr>
-            <p:cNvPr id="12" name="Freeform 6">
-              <a:extLst>
-                <a:ext uri="{FF2B5EF4-FFF2-40B4-BE49-F238E27FC236}">
-                  <a16:creationId xmlns:a16="http://schemas.microsoft.com/office/drawing/2014/main" id="{E2AF2C17-4AB4-4402-B84B-129EF95D161C}"/>
-                </a:ext>
-                <a:ext uri="{C183D7F6-B498-43B3-948B-1728B52AA6E4}">
-                  <adec:decorative xmlns:adec="http://schemas.microsoft.com/office/drawing/2017/decorative" val="1"/>
-                </a:ext>
-              </a:extLst>
-            </p:cNvPr>
-            <p:cNvSpPr/>
-            <p:nvPr>
-              <p:extLst>
-                <p:ext uri="{386F3935-93C4-4BCD-93E2-E3B085C9AB24}">
-                  <p16:designElem xmlns:p16="http://schemas.microsoft.com/office/powerpoint/2015/main" val="1"/>
-                </p:ext>
-              </p:extLst>
-            </p:nvPr>
-          </p:nvSpPr>
-          <p:spPr bwMode="auto">
-            <a:xfrm flipH="1" flipV="1">
-              <a:off x="752858" y="744469"/>
-              <a:ext cx="3275668" cy="4408488"/>
-            </a:xfrm>
-            <a:custGeom>
-              <a:avLst/>
-              <a:gdLst/>
-              <a:ahLst/>
-              <a:cxnLst/>
-              <a:rect l="l" t="t" r="r" b="b"/>
-              <a:pathLst>
-                <a:path w="10002" h="10000">
-                  <a:moveTo>
-                    <a:pt x="8763" y="0"/>
-                  </a:moveTo>
-                  <a:lnTo>
-                    <a:pt x="10002" y="0"/>
-                  </a:lnTo>
-                  <a:lnTo>
-                    <a:pt x="10002" y="10000"/>
-                  </a:lnTo>
-                  <a:lnTo>
-                    <a:pt x="2" y="10000"/>
-                  </a:lnTo>
-                  <a:cubicBezTo>
-                    <a:pt x="-2" y="9698"/>
-                    <a:pt x="4" y="9427"/>
-                    <a:pt x="0" y="9125"/>
-                  </a:cubicBezTo>
-                  <a:lnTo>
-                    <a:pt x="8763" y="9128"/>
-                  </a:lnTo>
-                  <a:lnTo>
-                    <a:pt x="8763" y="0"/>
-                  </a:lnTo>
-                  <a:close/>
-                </a:path>
-              </a:pathLst>
-            </a:custGeom>
-            <a:solidFill>
-              <a:schemeClr val="tx2"/>
-            </a:solidFill>
-            <a:ln w="0">
-              <a:noFill/>
-              <a:prstDash val="solid"/>
-              <a:round/>
-              <a:headEnd/>
-              <a:tailEnd/>
-            </a:ln>
-          </p:spPr>
-        </p:sp>
-      </p:grpSp>
-      <p:sp useBgFill="1">
-        <p:nvSpPr>
-          <p:cNvPr id="21" name="Rectangle 13">
-            <a:extLst>
-              <a:ext uri="{FF2B5EF4-FFF2-40B4-BE49-F238E27FC236}">
-                <a16:creationId xmlns:a16="http://schemas.microsoft.com/office/drawing/2014/main" id="{1F9A0C1C-8ABC-401B-8FE9-AC9327C4C587}"/>
-              </a:ext>
-              <a:ext uri="{C183D7F6-B498-43B3-948B-1728B52AA6E4}">
-                <adec:decorative xmlns:adec="http://schemas.microsoft.com/office/drawing/2017/decorative" val="1"/>
-              </a:ext>
-            </a:extLst>
-          </p:cNvPr>
-          <p:cNvSpPr>
-            <a:spLocks noGrp="1" noRot="1" noChangeAspect="1" noMove="1" noResize="1" noEditPoints="1" noAdjustHandles="1" noChangeArrowheads="1" noChangeShapeType="1" noTextEdit="1"/>
-          </p:cNvSpPr>
-          <p:nvPr>
-            <p:extLst>
-              <p:ext uri="{386F3935-93C4-4BCD-93E2-E3B085C9AB24}">
-                <p16:designElem xmlns:p16="http://schemas.microsoft.com/office/powerpoint/2015/main" val="1"/>
-              </p:ext>
-            </p:extLst>
-          </p:nvPr>
-        </p:nvSpPr>
-        <p:spPr>
-          <a:xfrm>
-            <a:off x="0" y="0"/>
-            <a:ext cx="12192000" cy="6858000"/>
+        </p:nvSpPr>
+        <p:spPr>
+          <a:xfrm>
+            <a:off x="478095" y="376"/>
+            <a:ext cx="228600" cy="6858000"/>
           </a:xfrm>
           <a:prstGeom prst="rect">
             <a:avLst/>
           </a:prstGeom>
+          <a:solidFill>
+            <a:schemeClr val="tx2"/>
+          </a:solidFill>
           <a:ln>
             <a:noFill/>
           </a:ln>
@@ -5925,8 +6477,8 @@
               <a:shade val="50000"/>
             </a:schemeClr>
           </a:lnRef>
-          <a:fillRef idx="1001">
-            <a:schemeClr val="lt2"/>
+          <a:fillRef idx="1">
+            <a:schemeClr val="accent1"/>
           </a:fillRef>
           <a:effectRef idx="0">
             <a:schemeClr val="accent1"/>
@@ -5935,57 +6487,13 @@
             <a:schemeClr val="lt1"/>
           </a:fontRef>
         </p:style>
-        <p:txBody>
-          <a:bodyPr rtlCol="0" anchor="ctr"/>
-          <a:lstStyle/>
-          <a:p>
-            <a:pPr algn="ctr"/>
-            <a:endParaRPr lang="en-US" dirty="0"/>
-          </a:p>
-        </p:txBody>
-      </p:sp>
-      <p:sp>
-        <p:nvSpPr>
-          <p:cNvPr id="2" name="Title 1">
+      </p:sp>
+      <p:sp>
+        <p:nvSpPr>
+          <p:cNvPr id="21" name="Rectangle 13">
             <a:extLst>
               <a:ext uri="{FF2B5EF4-FFF2-40B4-BE49-F238E27FC236}">
-                <a16:creationId xmlns:a16="http://schemas.microsoft.com/office/drawing/2014/main" id="{7B6C46CC-F3C9-42C1-9353-E41DD90E9F55}"/>
-              </a:ext>
-            </a:extLst>
-          </p:cNvPr>
-          <p:cNvSpPr>
-            <a:spLocks noGrp="1"/>
-          </p:cNvSpPr>
-          <p:nvPr>
-            <p:ph type="title"/>
-          </p:nvPr>
-        </p:nvSpPr>
-        <p:spPr>
-          <a:xfrm>
-            <a:off x="8154186" y="634028"/>
-            <a:ext cx="3355942" cy="3732835"/>
-          </a:xfrm>
-        </p:spPr>
-        <p:txBody>
-          <a:bodyPr vert="horz" lIns="91440" tIns="45720" rIns="91440" bIns="45720" rtlCol="0" anchor="b">
-            <a:normAutofit/>
-          </a:bodyPr>
-          <a:lstStyle/>
-          <a:p>
-            <a:pPr algn="ctr"/>
-            <a:r>
-              <a:rPr lang="en-US" sz="4200" cap="all" dirty="0"/>
-              <a:t>Diagnostics Team Of House MD</a:t>
-            </a:r>
-          </a:p>
-        </p:txBody>
-      </p:sp>
-      <p:sp>
-        <p:nvSpPr>
-          <p:cNvPr id="22" name="Freeform 6">
-            <a:extLst>
-              <a:ext uri="{FF2B5EF4-FFF2-40B4-BE49-F238E27FC236}">
-                <a16:creationId xmlns:a16="http://schemas.microsoft.com/office/drawing/2014/main" id="{BA5783C3-2F96-40A7-A24F-30CB07AA3928}"/>
+                <a16:creationId xmlns:a16="http://schemas.microsoft.com/office/drawing/2014/main" id="{7A9832FF-2FB7-4330-B055-6ABDD80C07A4}"/>
               </a:ext>
               <a:ext uri="{C183D7F6-B498-43B3-948B-1728B52AA6E4}">
                 <adec:decorative xmlns:adec="http://schemas.microsoft.com/office/drawing/2017/decorative" val="1"/>
@@ -6003,167 +6511,162 @@
             </p:extLst>
           </p:nvPr>
         </p:nvSpPr>
-        <p:spPr bwMode="auto">
-          <a:xfrm flipH="1" flipV="1">
-            <a:off x="649163" y="634028"/>
-            <a:ext cx="3275668" cy="4408488"/>
-          </a:xfrm>
-          <a:custGeom>
-            <a:avLst/>
-            <a:gdLst/>
-            <a:ahLst/>
-            <a:cxnLst/>
-            <a:rect l="l" t="t" r="r" b="b"/>
-            <a:pathLst>
-              <a:path w="10002" h="10000">
-                <a:moveTo>
-                  <a:pt x="8763" y="0"/>
-                </a:moveTo>
-                <a:lnTo>
-                  <a:pt x="10002" y="0"/>
-                </a:lnTo>
-                <a:lnTo>
-                  <a:pt x="10002" y="10000"/>
-                </a:lnTo>
-                <a:lnTo>
-                  <a:pt x="2" y="10000"/>
-                </a:lnTo>
-                <a:cubicBezTo>
-                  <a:pt x="-2" y="9698"/>
-                  <a:pt x="4" y="9427"/>
-                  <a:pt x="0" y="9125"/>
-                </a:cubicBezTo>
-                <a:lnTo>
-                  <a:pt x="8763" y="9128"/>
-                </a:lnTo>
-                <a:lnTo>
-                  <a:pt x="8763" y="0"/>
-                </a:lnTo>
-                <a:close/>
-              </a:path>
-            </a:pathLst>
-          </a:custGeom>
-          <a:solidFill>
-            <a:schemeClr val="tx2"/>
-          </a:solidFill>
-          <a:ln w="0">
-            <a:noFill/>
-            <a:prstDash val="solid"/>
-            <a:round/>
-            <a:headEnd/>
-            <a:tailEnd/>
-          </a:ln>
-        </p:spPr>
-      </p:sp>
-      <p:sp>
-        <p:nvSpPr>
-          <p:cNvPr id="23" name="Freeform 6">
-            <a:extLst>
-              <a:ext uri="{FF2B5EF4-FFF2-40B4-BE49-F238E27FC236}">
-                <a16:creationId xmlns:a16="http://schemas.microsoft.com/office/drawing/2014/main" id="{A9D08DBA-0326-4C4E-ACFB-576F3ABDD2D0}"/>
-              </a:ext>
-              <a:ext uri="{C183D7F6-B498-43B3-948B-1728B52AA6E4}">
-                <adec:decorative xmlns:adec="http://schemas.microsoft.com/office/drawing/2017/decorative" val="1"/>
-              </a:ext>
-            </a:extLst>
-          </p:cNvPr>
-          <p:cNvSpPr>
-            <a:spLocks noGrp="1" noRot="1" noChangeAspect="1" noMove="1" noResize="1" noEditPoints="1" noAdjustHandles="1" noChangeArrowheads="1" noChangeShapeType="1" noTextEdit="1"/>
-          </p:cNvSpPr>
-          <p:nvPr>
-            <p:extLst>
-              <p:ext uri="{386F3935-93C4-4BCD-93E2-E3B085C9AB24}">
-                <p16:designElem xmlns:p16="http://schemas.microsoft.com/office/powerpoint/2015/main" val="1"/>
-              </p:ext>
-            </p:extLst>
-          </p:nvPr>
-        </p:nvSpPr>
-        <p:spPr bwMode="auto">
-          <a:xfrm>
-            <a:off x="4494670" y="2016617"/>
-            <a:ext cx="3275013" cy="4408488"/>
-          </a:xfrm>
-          <a:custGeom>
-            <a:avLst/>
-            <a:gdLst/>
-            <a:ahLst/>
-            <a:cxnLst/>
-            <a:rect l="l" t="t" r="r" b="b"/>
-            <a:pathLst>
-              <a:path w="10000" h="10000">
-                <a:moveTo>
-                  <a:pt x="8761" y="0"/>
-                </a:moveTo>
-                <a:lnTo>
-                  <a:pt x="10000" y="0"/>
-                </a:lnTo>
-                <a:lnTo>
-                  <a:pt x="10000" y="10000"/>
-                </a:lnTo>
-                <a:lnTo>
-                  <a:pt x="0" y="10000"/>
-                </a:lnTo>
-                <a:lnTo>
-                  <a:pt x="0" y="9126"/>
-                </a:lnTo>
-                <a:lnTo>
-                  <a:pt x="8761" y="9127"/>
-                </a:lnTo>
-                <a:lnTo>
-                  <a:pt x="8761" y="0"/>
-                </a:lnTo>
-                <a:close/>
-              </a:path>
-            </a:pathLst>
-          </a:custGeom>
-          <a:solidFill>
-            <a:schemeClr val="tx2"/>
-          </a:solidFill>
-          <a:ln w="0">
-            <a:noFill/>
-            <a:prstDash val="solid"/>
-            <a:round/>
-            <a:headEnd/>
-            <a:tailEnd/>
-          </a:ln>
-        </p:spPr>
-      </p:sp>
-      <p:pic>
-        <p:nvPicPr>
-          <p:cNvPr id="5" name="Content Placeholder 4" descr="A group of people posing for a photo&#10;&#10;Description automatically generated">
-            <a:extLst>
-              <a:ext uri="{FF2B5EF4-FFF2-40B4-BE49-F238E27FC236}">
-                <a16:creationId xmlns:a16="http://schemas.microsoft.com/office/drawing/2014/main" id="{5F61EDF2-81DB-40C7-B863-E55C54775735}"/>
-              </a:ext>
-            </a:extLst>
-          </p:cNvPr>
-          <p:cNvPicPr>
-            <a:picLocks noGrp="1" noChangeAspect="1"/>
-          </p:cNvPicPr>
-          <p:nvPr>
-            <p:ph idx="1"/>
-          </p:nvPr>
-        </p:nvPicPr>
-        <p:blipFill>
-          <a:blip r:embed="rId2"/>
-          <a:stretch>
-            <a:fillRect/>
-          </a:stretch>
-        </p:blipFill>
-        <p:spPr>
-          <a:xfrm>
-            <a:off x="1379023" y="1632757"/>
-            <a:ext cx="5659222" cy="3791678"/>
+        <p:spPr>
+          <a:xfrm>
+            <a:off x="1036321" y="321731"/>
+            <a:ext cx="10833946" cy="6131654"/>
           </a:xfrm>
           <a:prstGeom prst="rect">
             <a:avLst/>
           </a:prstGeom>
-        </p:spPr>
-      </p:pic>
+          <a:solidFill>
+            <a:srgbClr val="FFFFFF"/>
+          </a:solidFill>
+          <a:ln>
+            <a:noFill/>
+          </a:ln>
+        </p:spPr>
+        <p:style>
+          <a:lnRef idx="2">
+            <a:schemeClr val="accent1">
+              <a:shade val="50000"/>
+            </a:schemeClr>
+          </a:lnRef>
+          <a:fillRef idx="1">
+            <a:schemeClr val="accent1"/>
+          </a:fillRef>
+          <a:effectRef idx="0">
+            <a:schemeClr val="accent1"/>
+          </a:effectRef>
+          <a:fontRef idx="minor">
+            <a:schemeClr val="lt1"/>
+          </a:fontRef>
+        </p:style>
+        <p:txBody>
+          <a:bodyPr rtlCol="0" anchor="ctr"/>
+          <a:lstStyle/>
+          <a:p>
+            <a:pPr algn="ctr"/>
+            <a:endParaRPr lang="en-US"/>
+          </a:p>
+        </p:txBody>
+      </p:sp>
+      <p:grpSp>
+        <p:nvGrpSpPr>
+          <p:cNvPr id="7" name="Group 6">
+            <a:extLst>
+              <a:ext uri="{FF2B5EF4-FFF2-40B4-BE49-F238E27FC236}">
+                <a16:creationId xmlns:a16="http://schemas.microsoft.com/office/drawing/2014/main" id="{6D2D0361-D6D8-4159-8936-AA1CA4A07246}"/>
+              </a:ext>
+            </a:extLst>
+          </p:cNvPr>
+          <p:cNvGrpSpPr/>
+          <p:nvPr/>
+        </p:nvGrpSpPr>
+        <p:grpSpPr>
+          <a:xfrm>
+            <a:off x="1941342" y="872976"/>
+            <a:ext cx="8276084" cy="5368797"/>
+            <a:chOff x="1238525" y="261578"/>
+            <a:chExt cx="9217440" cy="6255110"/>
+          </a:xfrm>
+        </p:grpSpPr>
+        <p:pic>
+          <p:nvPicPr>
+            <p:cNvPr id="5" name="Picture 4" descr="A close up of a person&#10;&#10;Description automatically generated">
+              <a:extLst>
+                <a:ext uri="{FF2B5EF4-FFF2-40B4-BE49-F238E27FC236}">
+                  <a16:creationId xmlns:a16="http://schemas.microsoft.com/office/drawing/2014/main" id="{78574A82-F35B-42E4-9B94-09D9CA77EAD2}"/>
+                </a:ext>
+              </a:extLst>
+            </p:cNvPr>
+            <p:cNvPicPr>
+              <a:picLocks noChangeAspect="1"/>
+            </p:cNvPicPr>
+            <p:nvPr/>
+          </p:nvPicPr>
+          <p:blipFill>
+            <a:blip r:embed="rId2"/>
+            <a:stretch>
+              <a:fillRect/>
+            </a:stretch>
+          </p:blipFill>
+          <p:spPr>
+            <a:xfrm>
+              <a:off x="1238525" y="261578"/>
+              <a:ext cx="9217440" cy="6255110"/>
+            </a:xfrm>
+            <a:prstGeom prst="rect">
+              <a:avLst/>
+            </a:prstGeom>
+          </p:spPr>
+        </p:pic>
+        <p:sp>
+          <p:nvSpPr>
+            <p:cNvPr id="6" name="Rectangle: Rounded Corners 5">
+              <a:extLst>
+                <a:ext uri="{FF2B5EF4-FFF2-40B4-BE49-F238E27FC236}">
+                  <a16:creationId xmlns:a16="http://schemas.microsoft.com/office/drawing/2014/main" id="{EF0CCC05-4777-4344-A107-AC3759D3A3EF}"/>
+                </a:ext>
+              </a:extLst>
+            </p:cNvPr>
+            <p:cNvSpPr/>
+            <p:nvPr/>
+          </p:nvSpPr>
+          <p:spPr>
+            <a:xfrm>
+              <a:off x="4161182" y="341312"/>
+              <a:ext cx="6175513" cy="639349"/>
+            </a:xfrm>
+            <a:prstGeom prst="roundRect">
+              <a:avLst/>
+            </a:prstGeom>
+            <a:solidFill>
+              <a:srgbClr val="FFFFFF"/>
+            </a:solidFill>
+            <a:ln>
+              <a:noFill/>
+            </a:ln>
+          </p:spPr>
+          <p:style>
+            <a:lnRef idx="2">
+              <a:schemeClr val="accent1">
+                <a:shade val="50000"/>
+              </a:schemeClr>
+            </a:lnRef>
+            <a:fillRef idx="1">
+              <a:schemeClr val="accent1"/>
+            </a:fillRef>
+            <a:effectRef idx="0">
+              <a:schemeClr val="accent1"/>
+            </a:effectRef>
+            <a:fontRef idx="minor">
+              <a:schemeClr val="lt1"/>
+            </a:fontRef>
+          </p:style>
+          <p:txBody>
+            <a:bodyPr rtlCol="0" anchor="ctr"/>
+            <a:lstStyle/>
+            <a:p>
+              <a:pPr algn="ctr"/>
+              <a:endParaRPr lang="en-US">
+                <a:ln>
+                  <a:solidFill>
+                    <a:schemeClr val="bg1"/>
+                  </a:solidFill>
+                </a:ln>
+                <a:solidFill>
+                  <a:schemeClr val="bg1"/>
+                </a:solidFill>
+              </a:endParaRPr>
+            </a:p>
+          </p:txBody>
+        </p:sp>
+      </p:grpSp>
     </p:spTree>
     <p:extLst>
       <p:ext uri="{BB962C8B-B14F-4D97-AF65-F5344CB8AC3E}">
-        <p14:creationId xmlns:p14="http://schemas.microsoft.com/office/powerpoint/2010/main" val="1769032288"/>
+        <p14:creationId xmlns:p14="http://schemas.microsoft.com/office/powerpoint/2010/main" val="1372569022"/>
       </p:ext>
     </p:extLst>
   </p:cSld>
@@ -6173,7 +6676,7 @@
 </p:sld>
 </file>
 
-<file path=ppt/slides/slide5.xml><?xml version="1.0" encoding="utf-8"?>
+<file path=ppt/slides/slide6.xml><?xml version="1.0" encoding="utf-8"?>
 <p:sld xmlns:a="http://schemas.openxmlformats.org/drawingml/2006/main" xmlns:r="http://schemas.openxmlformats.org/officeDocument/2006/relationships" xmlns:p="http://schemas.openxmlformats.org/presentationml/2006/main">
   <p:cSld>
     <p:spTree>
@@ -6372,8 +6875,8 @@
         </p:blipFill>
         <p:spPr>
           <a:xfrm>
-            <a:off x="1888715" y="4053745"/>
-            <a:ext cx="3513549" cy="2262842"/>
+            <a:off x="1888715" y="4089989"/>
+            <a:ext cx="3457273" cy="2226598"/>
           </a:xfrm>
           <a:prstGeom prst="rect">
             <a:avLst/>
@@ -6393,7 +6896,7 @@
 </p:sld>
 </file>
 
-<file path=ppt/slides/slide6.xml><?xml version="1.0" encoding="utf-8"?>
+<file path=ppt/slides/slide7.xml><?xml version="1.0" encoding="utf-8"?>
 <p:sld xmlns:a="http://schemas.openxmlformats.org/drawingml/2006/main" xmlns:r="http://schemas.openxmlformats.org/officeDocument/2006/relationships" xmlns:p="http://schemas.openxmlformats.org/presentationml/2006/main">
   <p:cSld>
     <p:bg>
@@ -6992,7 +7495,7 @@
 </p:sld>
 </file>
 
-<file path=ppt/slides/slide7.xml><?xml version="1.0" encoding="utf-8"?>
+<file path=ppt/slides/slide8.xml><?xml version="1.0" encoding="utf-8"?>
 <p:sld xmlns:a="http://schemas.openxmlformats.org/drawingml/2006/main" xmlns:r="http://schemas.openxmlformats.org/officeDocument/2006/relationships" xmlns:p="http://schemas.openxmlformats.org/presentationml/2006/main">
   <p:cSld>
     <p:bg>
@@ -7094,7 +7597,15 @@
             </a:pPr>
             <a:r>
               <a:rPr lang="en-US" dirty="0"/>
-              <a:t>Improving your knowledge will strengthen your conclusions.</a:t>
+              <a:t>Improving your knowledge will </a:t>
+            </a:r>
+            <a:r>
+              <a:rPr lang="en-US" b="1" dirty="0"/>
+              <a:t>strengthen your conclusions</a:t>
+            </a:r>
+            <a:r>
+              <a:rPr lang="en-US" dirty="0"/>
+              <a:t>.</a:t>
             </a:r>
           </a:p>
         </p:txBody>
@@ -7199,7 +7710,7 @@
 </p:sld>
 </file>
 
-<file path=ppt/slides/slide8.xml><?xml version="1.0" encoding="utf-8"?>
+<file path=ppt/slides/slide9.xml><?xml version="1.0" encoding="utf-8"?>
 <p:sld xmlns:a="http://schemas.openxmlformats.org/drawingml/2006/main" xmlns:r="http://schemas.openxmlformats.org/officeDocument/2006/relationships" xmlns:p="http://schemas.openxmlformats.org/presentationml/2006/main">
   <p:cSld>
     <p:spTree>
@@ -7437,236 +7948,6 @@
     <p:extLst>
       <p:ext uri="{BB962C8B-B14F-4D97-AF65-F5344CB8AC3E}">
         <p14:creationId xmlns:p14="http://schemas.microsoft.com/office/powerpoint/2010/main" val="220171336"/>
-      </p:ext>
-    </p:extLst>
-  </p:cSld>
-  <p:clrMapOvr>
-    <a:masterClrMapping/>
-  </p:clrMapOvr>
-</p:sld>
-</file>
-
-<file path=ppt/slides/slide9.xml><?xml version="1.0" encoding="utf-8"?>
-<p:sld xmlns:a="http://schemas.openxmlformats.org/drawingml/2006/main" xmlns:r="http://schemas.openxmlformats.org/officeDocument/2006/relationships" xmlns:p="http://schemas.openxmlformats.org/presentationml/2006/main">
-  <p:cSld>
-    <p:bg>
-      <p:bgPr>
-        <a:solidFill>
-          <a:schemeClr val="bg2"/>
-        </a:solidFill>
-        <a:effectLst/>
-      </p:bgPr>
-    </p:bg>
-    <p:spTree>
-      <p:nvGrpSpPr>
-        <p:cNvPr id="1" name=""/>
-        <p:cNvGrpSpPr/>
-        <p:nvPr/>
-      </p:nvGrpSpPr>
-      <p:grpSpPr>
-        <a:xfrm>
-          <a:off x="0" y="0"/>
-          <a:ext cx="0" cy="0"/>
-          <a:chOff x="0" y="0"/>
-          <a:chExt cx="0" cy="0"/>
-        </a:xfrm>
-      </p:grpSpPr>
-      <p:sp>
-        <p:nvSpPr>
-          <p:cNvPr id="2" name="Title 1">
-            <a:extLst>
-              <a:ext uri="{FF2B5EF4-FFF2-40B4-BE49-F238E27FC236}">
-                <a16:creationId xmlns:a16="http://schemas.microsoft.com/office/drawing/2014/main" id="{51C23C65-AE36-413B-8DA1-5ED1D8D491A1}"/>
-              </a:ext>
-            </a:extLst>
-          </p:cNvPr>
-          <p:cNvSpPr>
-            <a:spLocks noGrp="1"/>
-          </p:cNvSpPr>
-          <p:nvPr>
-            <p:ph type="title"/>
-          </p:nvPr>
-        </p:nvSpPr>
-        <p:spPr>
-          <a:xfrm>
-            <a:off x="1390650" y="685800"/>
-            <a:ext cx="6176775" cy="1485900"/>
-          </a:xfrm>
-        </p:spPr>
-        <p:txBody>
-          <a:bodyPr>
-            <a:normAutofit/>
-          </a:bodyPr>
-          <a:lstStyle/>
-          <a:p>
-            <a:r>
-              <a:rPr lang="en-US" dirty="0"/>
-              <a:t>3.KEEPING AN OPEN MIND</a:t>
-            </a:r>
-          </a:p>
-        </p:txBody>
-      </p:sp>
-      <p:pic>
-        <p:nvPicPr>
-          <p:cNvPr id="7" name="Picture 6" descr="A picture containing man, holding, table&#10;&#10;Description automatically generated">
-            <a:extLst>
-              <a:ext uri="{FF2B5EF4-FFF2-40B4-BE49-F238E27FC236}">
-                <a16:creationId xmlns:a16="http://schemas.microsoft.com/office/drawing/2014/main" id="{13A3AB32-2D67-448A-88D1-8C8B40573C70}"/>
-              </a:ext>
-            </a:extLst>
-          </p:cNvPr>
-          <p:cNvPicPr>
-            <a:picLocks noChangeAspect="1"/>
-          </p:cNvPicPr>
-          <p:nvPr/>
-        </p:nvPicPr>
-        <p:blipFill rotWithShape="1">
-          <a:blip r:embed="rId2"/>
-          <a:srcRect r="-2" b="10474"/>
-          <a:stretch/>
-        </p:blipFill>
-        <p:spPr>
-          <a:xfrm>
-            <a:off x="8055599" y="587782"/>
-            <a:ext cx="3217333" cy="1652907"/>
-          </a:xfrm>
-          <a:prstGeom prst="rect">
-            <a:avLst/>
-          </a:prstGeom>
-        </p:spPr>
-      </p:pic>
-      <p:sp>
-        <p:nvSpPr>
-          <p:cNvPr id="3" name="Content Placeholder 2">
-            <a:extLst>
-              <a:ext uri="{FF2B5EF4-FFF2-40B4-BE49-F238E27FC236}">
-                <a16:creationId xmlns:a16="http://schemas.microsoft.com/office/drawing/2014/main" id="{F2F3F946-DD45-4704-A22C-948CFFEACE65}"/>
-              </a:ext>
-            </a:extLst>
-          </p:cNvPr>
-          <p:cNvSpPr>
-            <a:spLocks noGrp="1"/>
-          </p:cNvSpPr>
-          <p:nvPr>
-            <p:ph idx="1"/>
-          </p:nvPr>
-        </p:nvSpPr>
-        <p:spPr>
-          <a:xfrm>
-            <a:off x="1390649" y="2286000"/>
-            <a:ext cx="6176776" cy="3581400"/>
-          </a:xfrm>
-        </p:spPr>
-        <p:txBody>
-          <a:bodyPr>
-            <a:normAutofit/>
-          </a:bodyPr>
-          <a:lstStyle/>
-          <a:p>
-            <a:pPr>
-              <a:buFont typeface="Wingdings" panose="05000000000000000000" pitchFamily="2" charset="2"/>
-              <a:buChar char="Ø"/>
-            </a:pPr>
-            <a:r>
-              <a:rPr lang="en-US" dirty="0"/>
-              <a:t>“</a:t>
-            </a:r>
-            <a:r>
-              <a:rPr lang="en-US" b="1" dirty="0"/>
-              <a:t>YOU MAY BE WRONG</a:t>
-            </a:r>
-            <a:r>
-              <a:rPr lang="en-US" dirty="0"/>
-              <a:t>”</a:t>
-            </a:r>
-          </a:p>
-          <a:p>
-            <a:pPr>
-              <a:buFont typeface="Wingdings" panose="05000000000000000000" pitchFamily="2" charset="2"/>
-              <a:buChar char="Ø"/>
-            </a:pPr>
-            <a:r>
-              <a:rPr lang="en-US" dirty="0"/>
-              <a:t>Don’t eliminate possible conclusions. </a:t>
-            </a:r>
-          </a:p>
-          <a:p>
-            <a:pPr>
-              <a:buFont typeface="Wingdings" panose="05000000000000000000" pitchFamily="2" charset="2"/>
-              <a:buChar char="Ø"/>
-            </a:pPr>
-            <a:r>
-              <a:rPr lang="en-US" dirty="0"/>
-              <a:t>Don’t jump to conclusions</a:t>
-            </a:r>
-          </a:p>
-          <a:p>
-            <a:endParaRPr lang="en-US" dirty="0"/>
-          </a:p>
-        </p:txBody>
-      </p:sp>
-      <p:pic>
-        <p:nvPicPr>
-          <p:cNvPr id="5" name="Picture 4" descr="A picture containing food, man&#10;&#10;Description automatically generated">
-            <a:extLst>
-              <a:ext uri="{FF2B5EF4-FFF2-40B4-BE49-F238E27FC236}">
-                <a16:creationId xmlns:a16="http://schemas.microsoft.com/office/drawing/2014/main" id="{B8CFD250-04FC-4DDE-BEF9-AC0B4ED6BB90}"/>
-              </a:ext>
-            </a:extLst>
-          </p:cNvPr>
-          <p:cNvPicPr>
-            <a:picLocks noChangeAspect="1"/>
-          </p:cNvPicPr>
-          <p:nvPr/>
-        </p:nvPicPr>
-        <p:blipFill rotWithShape="1">
-          <a:blip r:embed="rId3"/>
-          <a:srcRect r="5" b="8385"/>
-          <a:stretch/>
-        </p:blipFill>
-        <p:spPr>
-          <a:xfrm>
-            <a:off x="8061437" y="2401556"/>
-            <a:ext cx="3211495" cy="1652907"/>
-          </a:xfrm>
-          <a:prstGeom prst="rect">
-            <a:avLst/>
-          </a:prstGeom>
-        </p:spPr>
-      </p:pic>
-      <p:pic>
-        <p:nvPicPr>
-          <p:cNvPr id="9" name="Picture 8" descr="A screenshot of a person&#10;&#10;Description automatically generated">
-            <a:extLst>
-              <a:ext uri="{FF2B5EF4-FFF2-40B4-BE49-F238E27FC236}">
-                <a16:creationId xmlns:a16="http://schemas.microsoft.com/office/drawing/2014/main" id="{2535A4DD-6BEC-4B53-887C-CE10B91A27A5}"/>
-              </a:ext>
-            </a:extLst>
-          </p:cNvPr>
-          <p:cNvPicPr>
-            <a:picLocks noChangeAspect="1"/>
-          </p:cNvPicPr>
-          <p:nvPr/>
-        </p:nvPicPr>
-        <p:blipFill rotWithShape="1">
-          <a:blip r:embed="rId4"/>
-          <a:srcRect t="897" r="6" b="30483"/>
-          <a:stretch/>
-        </p:blipFill>
-        <p:spPr>
-          <a:xfrm>
-            <a:off x="8061437" y="4215330"/>
-            <a:ext cx="3211495" cy="1652907"/>
-          </a:xfrm>
-          <a:prstGeom prst="rect">
-            <a:avLst/>
-          </a:prstGeom>
-        </p:spPr>
-      </p:pic>
-    </p:spTree>
-    <p:extLst>
-      <p:ext uri="{BB962C8B-B14F-4D97-AF65-F5344CB8AC3E}">
-        <p14:creationId xmlns:p14="http://schemas.microsoft.com/office/powerpoint/2010/main" val="1378268153"/>
       </p:ext>
     </p:extLst>
   </p:cSld>

--- a/18 Presentation/hOUSE md.pptx
+++ b/18 Presentation/hOUSE md.pptx
@@ -15,9 +15,8 @@
     <p:sldId id="264" r:id="rId9"/>
     <p:sldId id="266" r:id="rId10"/>
     <p:sldId id="267" r:id="rId11"/>
-    <p:sldId id="268" r:id="rId12"/>
-    <p:sldId id="269" r:id="rId13"/>
-    <p:sldId id="270" r:id="rId14"/>
+    <p:sldId id="269" r:id="rId12"/>
+    <p:sldId id="270" r:id="rId13"/>
   </p:sldIdLst>
   <p:sldSz cx="12192000" cy="6858000"/>
   <p:notesSz cx="6858000" cy="9144000"/>
@@ -294,7 +293,7 @@
             <a:fld id="{87DE6118-2437-4B30-8E3C-4D2BE6020583}" type="datetimeFigureOut">
               <a:rPr lang="en-US" dirty="0"/>
               <a:pPr/>
-              <a:t>2/29/2020</a:t>
+              <a:t>3/10/2020</a:t>
             </a:fld>
             <a:endParaRPr lang="en-US" dirty="0"/>
           </a:p>
@@ -620,7 +619,7 @@
           <a:p>
             <a:fld id="{87DE6118-2437-4B30-8E3C-4D2BE6020583}" type="datetimeFigureOut">
               <a:rPr lang="en-US" dirty="0"/>
-              <a:t>2/29/2020</a:t>
+              <a:t>3/10/2020</a:t>
             </a:fld>
             <a:endParaRPr lang="en-US" dirty="0"/>
           </a:p>
@@ -795,7 +794,7 @@
           <a:p>
             <a:fld id="{87DE6118-2437-4B30-8E3C-4D2BE6020583}" type="datetimeFigureOut">
               <a:rPr lang="en-US" dirty="0"/>
-              <a:t>2/29/2020</a:t>
+              <a:t>3/10/2020</a:t>
             </a:fld>
             <a:endParaRPr lang="en-US" dirty="0"/>
           </a:p>
@@ -960,7 +959,7 @@
           <a:p>
             <a:fld id="{87DE6118-2437-4B30-8E3C-4D2BE6020583}" type="datetimeFigureOut">
               <a:rPr lang="en-US" dirty="0"/>
-              <a:t>2/29/2020</a:t>
+              <a:t>3/10/2020</a:t>
             </a:fld>
             <a:endParaRPr lang="en-US" dirty="0"/>
           </a:p>
@@ -1233,7 +1232,7 @@
             <a:fld id="{87DE6118-2437-4B30-8E3C-4D2BE6020583}" type="datetimeFigureOut">
               <a:rPr lang="en-US" dirty="0"/>
               <a:pPr/>
-              <a:t>2/29/2020</a:t>
+              <a:t>3/10/2020</a:t>
             </a:fld>
             <a:endParaRPr lang="en-US" dirty="0"/>
           </a:p>
@@ -1623,7 +1622,7 @@
           <a:p>
             <a:fld id="{87DE6118-2437-4B30-8E3C-4D2BE6020583}" type="datetimeFigureOut">
               <a:rPr lang="en-US" dirty="0"/>
-              <a:t>2/29/2020</a:t>
+              <a:t>3/10/2020</a:t>
             </a:fld>
             <a:endParaRPr lang="en-US" dirty="0"/>
           </a:p>
@@ -2095,7 +2094,7 @@
           <a:p>
             <a:fld id="{87DE6118-2437-4B30-8E3C-4D2BE6020583}" type="datetimeFigureOut">
               <a:rPr lang="en-US" dirty="0"/>
-              <a:t>2/29/2020</a:t>
+              <a:t>3/10/2020</a:t>
             </a:fld>
             <a:endParaRPr lang="en-US" dirty="0"/>
           </a:p>
@@ -2208,7 +2207,7 @@
           <a:p>
             <a:fld id="{87DE6118-2437-4B30-8E3C-4D2BE6020583}" type="datetimeFigureOut">
               <a:rPr lang="en-US" dirty="0"/>
-              <a:t>2/29/2020</a:t>
+              <a:t>3/10/2020</a:t>
             </a:fld>
             <a:endParaRPr lang="en-US" dirty="0"/>
           </a:p>
@@ -2298,7 +2297,7 @@
           <a:p>
             <a:fld id="{87DE6118-2437-4B30-8E3C-4D2BE6020583}" type="datetimeFigureOut">
               <a:rPr lang="en-US" dirty="0"/>
-              <a:t>2/29/2020</a:t>
+              <a:t>3/10/2020</a:t>
             </a:fld>
             <a:endParaRPr lang="en-US" dirty="0"/>
           </a:p>
@@ -2640,7 +2639,7 @@
             <a:fld id="{87DE6118-2437-4B30-8E3C-4D2BE6020583}" type="datetimeFigureOut">
               <a:rPr lang="en-US" dirty="0"/>
               <a:pPr/>
-              <a:t>2/29/2020</a:t>
+              <a:t>3/10/2020</a:t>
             </a:fld>
             <a:endParaRPr lang="en-US" dirty="0"/>
           </a:p>
@@ -3024,7 +3023,7 @@
             <a:fld id="{87DE6118-2437-4B30-8E3C-4D2BE6020583}" type="datetimeFigureOut">
               <a:rPr lang="en-US" dirty="0"/>
               <a:pPr/>
-              <a:t>2/29/2020</a:t>
+              <a:t>3/10/2020</a:t>
             </a:fld>
             <a:endParaRPr lang="en-US" dirty="0"/>
           </a:p>
@@ -3299,7 +3298,7 @@
             <a:fld id="{87DE6118-2437-4B30-8E3C-4D2BE6020583}" type="datetimeFigureOut">
               <a:rPr lang="en-US" dirty="0"/>
               <a:pPr/>
-              <a:t>2/29/2020</a:t>
+              <a:t>3/10/2020</a:t>
             </a:fld>
             <a:endParaRPr lang="en-US" dirty="0"/>
           </a:p>
@@ -4416,7 +4415,7 @@
           <p:cNvPr id="2" name="Title 1">
             <a:extLst>
               <a:ext uri="{FF2B5EF4-FFF2-40B4-BE49-F238E27FC236}">
-                <a16:creationId xmlns:a16="http://schemas.microsoft.com/office/drawing/2014/main" id="{2C6FBB71-42C6-44CE-AA0A-2FC9B6EC0E08}"/>
+                <a16:creationId xmlns:a16="http://schemas.microsoft.com/office/drawing/2014/main" id="{DE7C6733-9DF5-4E79-9FD5-A5648FD33B52}"/>
               </a:ext>
             </a:extLst>
           </p:cNvPr>
@@ -4434,96 +4433,7 @@
           <a:p>
             <a:r>
               <a:rPr lang="en-US" dirty="0"/>
-              <a:t>4. SPEAK YOUR MIND</a:t>
-            </a:r>
-          </a:p>
-        </p:txBody>
-      </p:sp>
-      <p:pic>
-        <p:nvPicPr>
-          <p:cNvPr id="4" name="Content Placeholder 3">
-            <a:extLst>
-              <a:ext uri="{FF2B5EF4-FFF2-40B4-BE49-F238E27FC236}">
-                <a16:creationId xmlns:a16="http://schemas.microsoft.com/office/drawing/2014/main" id="{05671F59-D219-4F88-BB37-2CA75C0731A3}"/>
-              </a:ext>
-            </a:extLst>
-          </p:cNvPr>
-          <p:cNvPicPr>
-            <a:picLocks noGrp="1" noChangeAspect="1"/>
-          </p:cNvPicPr>
-          <p:nvPr>
-            <p:ph idx="1"/>
-          </p:nvPr>
-        </p:nvPicPr>
-        <p:blipFill rotWithShape="1">
-          <a:blip r:embed="rId2"/>
-          <a:srcRect t="25923" r="26980"/>
-          <a:stretch/>
-        </p:blipFill>
-        <p:spPr>
-          <a:xfrm>
-            <a:off x="2666068" y="1991833"/>
-            <a:ext cx="7374198" cy="3832192"/>
-          </a:xfrm>
-          <a:prstGeom prst="rect">
-            <a:avLst/>
-          </a:prstGeom>
-        </p:spPr>
-      </p:pic>
-    </p:spTree>
-    <p:extLst>
-      <p:ext uri="{BB962C8B-B14F-4D97-AF65-F5344CB8AC3E}">
-        <p14:creationId xmlns:p14="http://schemas.microsoft.com/office/powerpoint/2010/main" val="2063847929"/>
-      </p:ext>
-    </p:extLst>
-  </p:cSld>
-  <p:clrMapOvr>
-    <a:masterClrMapping/>
-  </p:clrMapOvr>
-</p:sld>
-</file>
-
-<file path=ppt/slides/slide12.xml><?xml version="1.0" encoding="utf-8"?>
-<p:sld xmlns:a="http://schemas.openxmlformats.org/drawingml/2006/main" xmlns:r="http://schemas.openxmlformats.org/officeDocument/2006/relationships" xmlns:p="http://schemas.openxmlformats.org/presentationml/2006/main">
-  <p:cSld>
-    <p:spTree>
-      <p:nvGrpSpPr>
-        <p:cNvPr id="1" name=""/>
-        <p:cNvGrpSpPr/>
-        <p:nvPr/>
-      </p:nvGrpSpPr>
-      <p:grpSpPr>
-        <a:xfrm>
-          <a:off x="0" y="0"/>
-          <a:ext cx="0" cy="0"/>
-          <a:chOff x="0" y="0"/>
-          <a:chExt cx="0" cy="0"/>
-        </a:xfrm>
-      </p:grpSpPr>
-      <p:sp>
-        <p:nvSpPr>
-          <p:cNvPr id="2" name="Title 1">
-            <a:extLst>
-              <a:ext uri="{FF2B5EF4-FFF2-40B4-BE49-F238E27FC236}">
-                <a16:creationId xmlns:a16="http://schemas.microsoft.com/office/drawing/2014/main" id="{DE7C6733-9DF5-4E79-9FD5-A5648FD33B52}"/>
-              </a:ext>
-            </a:extLst>
-          </p:cNvPr>
-          <p:cNvSpPr>
-            <a:spLocks noGrp="1"/>
-          </p:cNvSpPr>
-          <p:nvPr>
-            <p:ph type="title"/>
-          </p:nvPr>
-        </p:nvSpPr>
-        <p:spPr/>
-        <p:txBody>
-          <a:bodyPr/>
-          <a:lstStyle/>
-          <a:p>
-            <a:r>
-              <a:rPr lang="en-US" dirty="0"/>
-              <a:t>5. LEARN FROM YOUR MISTAKES</a:t>
+              <a:t>4. LEARN FROM YOUR MISTAKES</a:t>
             </a:r>
           </a:p>
         </p:txBody>
@@ -4643,7 +4553,7 @@
 </p:sld>
 </file>
 
-<file path=ppt/slides/slide13.xml><?xml version="1.0" encoding="utf-8"?>
+<file path=ppt/slides/slide12.xml><?xml version="1.0" encoding="utf-8"?>
 <p:sld xmlns:a="http://schemas.openxmlformats.org/drawingml/2006/main" xmlns:r="http://schemas.openxmlformats.org/officeDocument/2006/relationships" xmlns:p="http://schemas.openxmlformats.org/presentationml/2006/main">
   <p:cSld>
     <p:bg>
